--- a/게임서버.pptx
+++ b/게임서버.pptx
@@ -108,6 +108,11 @@
       </a:defRPr>
     </a:lvl9pPr>
   </p:defaultTextStyle>
+  <p:extLst>
+    <p:ext uri="{EFAFB233-063F-42B5-8137-9DF3F51BA10A}">
+      <p15:sldGuideLst xmlns:p15="http://schemas.microsoft.com/office/powerpoint/2012/main"/>
+    </p:ext>
+  </p:extLst>
 </p:presentation>
 </file>
 
@@ -3893,7 +3898,7 @@
               <a:t>파티 </a:t>
             </a:r>
             <a:r>
-              <a:rPr lang="en-US" altLang="ko-KR" sz="1400"/>
+              <a:rPr lang="en-US" altLang="ko-KR" sz="1400" dirty="0"/>
               <a:t>[ 70 % ]</a:t>
             </a:r>
             <a:endParaRPr lang="ko-KR" altLang="en-US" sz="1400" dirty="0"/>
@@ -4469,7 +4474,7 @@
             </a:r>
             <a:r>
               <a:rPr lang="en-US" altLang="ko-KR" sz="1400" dirty="0"/>
-              <a:t>[ OK ]</a:t>
+              <a:t>[ 80% ]</a:t>
             </a:r>
           </a:p>
           <a:p>
@@ -4480,8 +4485,17 @@
             </a:r>
             <a:r>
               <a:rPr lang="en-US" altLang="ko-KR" sz="1400" dirty="0"/>
-              <a:t>[ 50 % ]</a:t>
-            </a:r>
+              <a:t>[ OK</a:t>
+            </a:r>
+            <a:r>
+              <a:rPr lang="ko-KR" altLang="en-US" sz="1400"/>
+              <a:t> </a:t>
+            </a:r>
+            <a:r>
+              <a:rPr lang="en-US" altLang="ko-KR" sz="1400"/>
+              <a:t>]</a:t>
+            </a:r>
+            <a:endParaRPr lang="en-US" altLang="ko-KR" sz="1400" dirty="0"/>
           </a:p>
           <a:p>
             <a:pPr lvl="1"/>
